--- a/PatternRecognition/Rings Grid Recognition.pptx
+++ b/PatternRecognition/Rings Grid Recognition.pptx
@@ -5,19 +5,23 @@
     <p:sldMasterId id="2147483660" r:id="rId4"/>
   </p:sldMasterIdLst>
   <p:notesMasterIdLst>
-    <p:notesMasterId r:id="rId12"/>
+    <p:notesMasterId r:id="rId16"/>
   </p:notesMasterIdLst>
   <p:handoutMasterIdLst>
-    <p:handoutMasterId r:id="rId13"/>
+    <p:handoutMasterId r:id="rId17"/>
   </p:handoutMasterIdLst>
   <p:sldIdLst>
     <p:sldId id="257" r:id="rId5"/>
     <p:sldId id="258" r:id="rId6"/>
     <p:sldId id="259" r:id="rId7"/>
     <p:sldId id="260" r:id="rId8"/>
-    <p:sldId id="261" r:id="rId9"/>
-    <p:sldId id="262" r:id="rId10"/>
-    <p:sldId id="263" r:id="rId11"/>
+    <p:sldId id="266" r:id="rId9"/>
+    <p:sldId id="261" r:id="rId10"/>
+    <p:sldId id="264" r:id="rId11"/>
+    <p:sldId id="265" r:id="rId12"/>
+    <p:sldId id="267" r:id="rId13"/>
+    <p:sldId id="262" r:id="rId14"/>
+    <p:sldId id="263" r:id="rId15"/>
   </p:sldIdLst>
   <p:sldSz cx="12188825" cy="6858000"/>
   <p:notesSz cx="6858000" cy="9144000"/>
@@ -1128,7 +1132,7 @@
             <a:pPr rtl="0"/>
             <a:fld id="{6BB98AFB-CB0D-4DFE-87B9-B4B0D0DE73CD}" type="slidenum">
               <a:rPr lang="es-ES" smtClean="0"/>
-              <a:t>5</a:t>
+              <a:t>6</a:t>
             </a:fld>
             <a:endParaRPr lang="es-ES" dirty="0"/>
           </a:p>
@@ -1213,7 +1217,7 @@
             <a:pPr rtl="0"/>
             <a:fld id="{6BB98AFB-CB0D-4DFE-87B9-B4B0D0DE73CD}" type="slidenum">
               <a:rPr lang="es-ES" smtClean="0"/>
-              <a:t>6</a:t>
+              <a:t>10</a:t>
             </a:fld>
             <a:endParaRPr lang="es-ES" dirty="0"/>
           </a:p>
@@ -1298,7 +1302,7 @@
             <a:pPr rtl="0"/>
             <a:fld id="{6BB98AFB-CB0D-4DFE-87B9-B4B0D0DE73CD}" type="slidenum">
               <a:rPr lang="es-ES" smtClean="0"/>
-              <a:t>7</a:t>
+              <a:t>11</a:t>
             </a:fld>
             <a:endParaRPr lang="es-ES" dirty="0"/>
           </a:p>
@@ -4832,6 +4836,217 @@
 </p:sld>
 </file>
 
+<file path=ppt/slides/slide10.xml><?xml version="1.0" encoding="utf-8"?>
+<p:sld xmlns:a="http://schemas.openxmlformats.org/drawingml/2006/main" xmlns:r="http://schemas.openxmlformats.org/officeDocument/2006/relationships" xmlns:p="http://schemas.openxmlformats.org/presentationml/2006/main">
+  <p:cSld>
+    <p:spTree>
+      <p:nvGrpSpPr>
+        <p:cNvPr id="1" name=""/>
+        <p:cNvGrpSpPr/>
+        <p:nvPr/>
+      </p:nvGrpSpPr>
+      <p:grpSpPr>
+        <a:xfrm>
+          <a:off x="0" y="0"/>
+          <a:ext cx="0" cy="0"/>
+          <a:chOff x="0" y="0"/>
+          <a:chExt cx="0" cy="0"/>
+        </a:xfrm>
+      </p:grpSpPr>
+      <p:sp>
+        <p:nvSpPr>
+          <p:cNvPr id="2" name="Título 1"/>
+          <p:cNvSpPr>
+            <a:spLocks noGrp="1"/>
+          </p:cNvSpPr>
+          <p:nvPr>
+            <p:ph type="title"/>
+          </p:nvPr>
+        </p:nvSpPr>
+        <p:spPr/>
+        <p:txBody>
+          <a:bodyPr rtlCol="0"/>
+          <a:lstStyle/>
+          <a:p>
+            <a:pPr rtl="0"/>
+            <a:r>
+              <a:rPr lang="es-ES" dirty="0"/>
+              <a:t>Opciones disponibles</a:t>
+            </a:r>
+          </a:p>
+        </p:txBody>
+      </p:sp>
+      <p:sp>
+        <p:nvSpPr>
+          <p:cNvPr id="3" name="Marcador de contenido 2"/>
+          <p:cNvSpPr>
+            <a:spLocks noGrp="1"/>
+          </p:cNvSpPr>
+          <p:nvPr>
+            <p:ph idx="1"/>
+          </p:nvPr>
+        </p:nvSpPr>
+        <p:spPr/>
+        <p:txBody>
+          <a:bodyPr rtlCol="0"/>
+          <a:lstStyle/>
+          <a:p>
+            <a:pPr rtl="0"/>
+            <a:r>
+              <a:rPr lang="es-ES" dirty="0"/>
+              <a:t>Indique las estrategias alternativas.</a:t>
+            </a:r>
+          </a:p>
+          <a:p>
+            <a:pPr rtl="0"/>
+            <a:r>
+              <a:rPr lang="es-ES" dirty="0"/>
+              <a:t>Liste las ventajas y desventajas de cada una.</a:t>
+            </a:r>
+          </a:p>
+          <a:p>
+            <a:pPr rtl="0"/>
+            <a:r>
+              <a:rPr lang="es-ES" dirty="0"/>
+              <a:t>Indique el costo de cada opción.</a:t>
+            </a:r>
+          </a:p>
+        </p:txBody>
+      </p:sp>
+    </p:spTree>
+    <p:extLst>
+      <p:ext uri="{BB962C8B-B14F-4D97-AF65-F5344CB8AC3E}">
+        <p14:creationId xmlns:p14="http://schemas.microsoft.com/office/powerpoint/2010/main" val="1173429218"/>
+      </p:ext>
+    </p:extLst>
+  </p:cSld>
+  <p:clrMapOvr>
+    <a:masterClrMapping/>
+  </p:clrMapOvr>
+  <mc:AlternateContent xmlns:mc="http://schemas.openxmlformats.org/markup-compatibility/2006" xmlns:p14="http://schemas.microsoft.com/office/powerpoint/2010/main">
+    <mc:Choice Requires="p14">
+      <p:transition spd="med" p14:dur="700">
+        <p:fade/>
+      </p:transition>
+    </mc:Choice>
+    <mc:Fallback xmlns="">
+      <p:transition spd="med">
+        <p:fade/>
+      </p:transition>
+    </mc:Fallback>
+  </mc:AlternateContent>
+</p:sld>
+</file>
+
+<file path=ppt/slides/slide11.xml><?xml version="1.0" encoding="utf-8"?>
+<p:sld xmlns:a="http://schemas.openxmlformats.org/drawingml/2006/main" xmlns:r="http://schemas.openxmlformats.org/officeDocument/2006/relationships" xmlns:p="http://schemas.openxmlformats.org/presentationml/2006/main">
+  <p:cSld>
+    <p:spTree>
+      <p:nvGrpSpPr>
+        <p:cNvPr id="1" name=""/>
+        <p:cNvGrpSpPr/>
+        <p:nvPr/>
+      </p:nvGrpSpPr>
+      <p:grpSpPr>
+        <a:xfrm>
+          <a:off x="0" y="0"/>
+          <a:ext cx="0" cy="0"/>
+          <a:chOff x="0" y="0"/>
+          <a:chExt cx="0" cy="0"/>
+        </a:xfrm>
+      </p:grpSpPr>
+      <p:sp>
+        <p:nvSpPr>
+          <p:cNvPr id="2" name="Título 1"/>
+          <p:cNvSpPr>
+            <a:spLocks noGrp="1"/>
+          </p:cNvSpPr>
+          <p:nvPr>
+            <p:ph type="title"/>
+          </p:nvPr>
+        </p:nvSpPr>
+        <p:spPr/>
+        <p:txBody>
+          <a:bodyPr rtlCol="0"/>
+          <a:lstStyle/>
+          <a:p>
+            <a:pPr rtl="0"/>
+            <a:r>
+              <a:rPr lang="es-ES" dirty="0"/>
+              <a:t>Recomendación</a:t>
+            </a:r>
+          </a:p>
+        </p:txBody>
+      </p:sp>
+      <p:sp>
+        <p:nvSpPr>
+          <p:cNvPr id="3" name="Marcador de contenido 2"/>
+          <p:cNvSpPr>
+            <a:spLocks noGrp="1"/>
+          </p:cNvSpPr>
+          <p:nvPr>
+            <p:ph idx="1"/>
+          </p:nvPr>
+        </p:nvSpPr>
+        <p:spPr/>
+        <p:txBody>
+          <a:bodyPr rtlCol="0"/>
+          <a:lstStyle/>
+          <a:p>
+            <a:pPr rtl="0"/>
+            <a:r>
+              <a:rPr lang="es-ES" dirty="0"/>
+              <a:t>Recomiende una o varias de las estrategias.</a:t>
+            </a:r>
+          </a:p>
+          <a:p>
+            <a:pPr rtl="0"/>
+            <a:r>
+              <a:rPr lang="es-ES" dirty="0"/>
+              <a:t>Resuma los resultados si el proceso se realiza como se propone.</a:t>
+            </a:r>
+          </a:p>
+          <a:p>
+            <a:pPr rtl="0"/>
+            <a:r>
+              <a:rPr lang="es-ES" dirty="0"/>
+              <a:t>Qué hacer a continuación.</a:t>
+            </a:r>
+          </a:p>
+          <a:p>
+            <a:pPr rtl="0"/>
+            <a:r>
+              <a:rPr lang="es-ES" dirty="0"/>
+              <a:t>Identifique los elementos de acción.</a:t>
+            </a:r>
+          </a:p>
+        </p:txBody>
+      </p:sp>
+    </p:spTree>
+    <p:extLst>
+      <p:ext uri="{BB962C8B-B14F-4D97-AF65-F5344CB8AC3E}">
+        <p14:creationId xmlns:p14="http://schemas.microsoft.com/office/powerpoint/2010/main" val="4259246236"/>
+      </p:ext>
+    </p:extLst>
+  </p:cSld>
+  <p:clrMapOvr>
+    <a:masterClrMapping/>
+  </p:clrMapOvr>
+  <mc:AlternateContent xmlns:mc="http://schemas.openxmlformats.org/markup-compatibility/2006" xmlns:p14="http://schemas.microsoft.com/office/powerpoint/2010/main">
+    <mc:Choice Requires="p14">
+      <p:transition spd="med" p14:dur="700">
+        <p:fade/>
+      </p:transition>
+    </mc:Choice>
+    <mc:Fallback xmlns="">
+      <p:transition spd="med">
+        <p:fade/>
+      </p:transition>
+    </mc:Fallback>
+  </mc:AlternateContent>
+</p:sld>
+</file>
+
 <file path=ppt/slides/slide2.xml><?xml version="1.0" encoding="utf-8"?>
 <p:sld xmlns:a="http://schemas.openxmlformats.org/drawingml/2006/main" xmlns:r="http://schemas.openxmlformats.org/officeDocument/2006/relationships" xmlns:p="http://schemas.openxmlformats.org/presentationml/2006/main">
   <p:cSld>
@@ -5235,7 +5450,13 @@
       </p:grpSpPr>
       <p:sp>
         <p:nvSpPr>
-          <p:cNvPr id="2" name="Título 1"/>
+          <p:cNvPr id="2" name="Título 1">
+            <a:extLst>
+              <a:ext uri="{FF2B5EF4-FFF2-40B4-BE49-F238E27FC236}">
+                <a16:creationId xmlns:a16="http://schemas.microsoft.com/office/drawing/2014/main" id="{A0914FC2-D698-4D0D-9F06-921C9B040D84}"/>
+              </a:ext>
+            </a:extLst>
+          </p:cNvPr>
           <p:cNvSpPr>
             <a:spLocks noGrp="1"/>
           </p:cNvSpPr>
@@ -5243,53 +5464,31 @@
             <p:ph type="title"/>
           </p:nvPr>
         </p:nvSpPr>
-        <p:spPr/>
-        <p:txBody>
-          <a:bodyPr rtlCol="0"/>
+        <p:spPr>
+          <a:xfrm>
+            <a:off x="1751011" y="2895600"/>
+            <a:ext cx="8686801" cy="1066800"/>
+          </a:xfrm>
+        </p:spPr>
+        <p:txBody>
+          <a:bodyPr anchor="ctr">
+            <a:normAutofit/>
+          </a:bodyPr>
           <a:lstStyle/>
           <a:p>
-            <a:pPr rtl="0"/>
-            <a:r>
-              <a:rPr lang="es-ES" dirty="0"/>
-              <a:t>¿Cómo llegamos aquí?</a:t>
-            </a:r>
-          </a:p>
-        </p:txBody>
-      </p:sp>
-      <p:sp>
-        <p:nvSpPr>
-          <p:cNvPr id="3" name="Marcador de contenido 2"/>
-          <p:cNvSpPr>
-            <a:spLocks noGrp="1"/>
-          </p:cNvSpPr>
-          <p:nvPr>
-            <p:ph idx="1"/>
-          </p:nvPr>
-        </p:nvSpPr>
-        <p:spPr/>
-        <p:txBody>
-          <a:bodyPr rtlCol="0"/>
-          <a:lstStyle/>
-          <a:p>
-            <a:pPr rtl="0"/>
-            <a:r>
-              <a:rPr lang="es-ES" dirty="0"/>
-              <a:t>Cualquier información histórica relevante.</a:t>
-            </a:r>
-          </a:p>
-          <a:p>
-            <a:pPr rtl="0"/>
-            <a:r>
-              <a:rPr lang="es-ES" dirty="0"/>
-              <a:t>Suposiciones originales que ya no son válidas.</a:t>
-            </a:r>
+            <a:pPr algn="ctr"/>
+            <a:r>
+              <a:rPr lang="es-PE" sz="6600" dirty="0" err="1"/>
+              <a:t>Results</a:t>
+            </a:r>
+            <a:endParaRPr lang="es-PE" sz="6600" dirty="0"/>
           </a:p>
         </p:txBody>
       </p:sp>
     </p:spTree>
     <p:extLst>
       <p:ext uri="{BB962C8B-B14F-4D97-AF65-F5344CB8AC3E}">
-        <p14:creationId xmlns:p14="http://schemas.microsoft.com/office/powerpoint/2010/main" val="3388139804"/>
+        <p14:creationId xmlns:p14="http://schemas.microsoft.com/office/powerpoint/2010/main" val="1913908497"/>
       </p:ext>
     </p:extLst>
   </p:cSld>
@@ -5338,60 +5537,68 @@
             <p:ph type="title"/>
           </p:nvPr>
         </p:nvSpPr>
-        <p:spPr/>
+        <p:spPr>
+          <a:xfrm>
+            <a:off x="1751011" y="548680"/>
+            <a:ext cx="8686801" cy="1066800"/>
+          </a:xfrm>
+        </p:spPr>
         <p:txBody>
           <a:bodyPr rtlCol="0"/>
           <a:lstStyle/>
           <a:p>
-            <a:pPr rtl="0"/>
+            <a:pPr algn="ctr" rtl="0"/>
             <a:r>
               <a:rPr lang="es-ES" dirty="0"/>
-              <a:t>Opciones disponibles</a:t>
-            </a:r>
-          </a:p>
-        </p:txBody>
-      </p:sp>
-      <p:sp>
-        <p:nvSpPr>
-          <p:cNvPr id="3" name="Marcador de contenido 2"/>
-          <p:cNvSpPr>
-            <a:spLocks noGrp="1"/>
-          </p:cNvSpPr>
+              <a:t>Original </a:t>
+            </a:r>
+            <a:r>
+              <a:rPr lang="es-ES" dirty="0" err="1"/>
+              <a:t>Pattern</a:t>
+            </a:r>
+            <a:endParaRPr lang="es-ES" dirty="0"/>
+          </a:p>
+        </p:txBody>
+      </p:sp>
+      <p:pic>
+        <p:nvPicPr>
+          <p:cNvPr id="5" name="Marcador de contenido 4">
+            <a:extLst>
+              <a:ext uri="{FF2B5EF4-FFF2-40B4-BE49-F238E27FC236}">
+                <a16:creationId xmlns:a16="http://schemas.microsoft.com/office/drawing/2014/main" id="{4DBBC8D4-6E3D-4B68-A64F-979322BA34A5}"/>
+              </a:ext>
+            </a:extLst>
+          </p:cNvPr>
+          <p:cNvPicPr>
+            <a:picLocks noGrp="1" noChangeAspect="1"/>
+          </p:cNvPicPr>
           <p:nvPr>
             <p:ph idx="1"/>
           </p:nvPr>
-        </p:nvSpPr>
-        <p:spPr/>
-        <p:txBody>
-          <a:bodyPr rtlCol="0"/>
-          <a:lstStyle/>
-          <a:p>
-            <a:pPr rtl="0"/>
-            <a:r>
-              <a:rPr lang="es-ES" dirty="0"/>
-              <a:t>Indique las estrategias alternativas.</a:t>
-            </a:r>
-          </a:p>
-          <a:p>
-            <a:pPr rtl="0"/>
-            <a:r>
-              <a:rPr lang="es-ES" dirty="0"/>
-              <a:t>Liste las ventajas y desventajas de cada una.</a:t>
-            </a:r>
-          </a:p>
-          <a:p>
-            <a:pPr rtl="0"/>
-            <a:r>
-              <a:rPr lang="es-ES" dirty="0"/>
-              <a:t>Indique el costo de cada opción.</a:t>
-            </a:r>
-          </a:p>
-        </p:txBody>
-      </p:sp>
+        </p:nvPicPr>
+        <p:blipFill>
+          <a:blip r:embed="rId3">
+            <a:extLst>
+              <a:ext uri="{28A0092B-C50C-407E-A947-70E740481C1C}">
+                <a14:useLocalDpi xmlns:a14="http://schemas.microsoft.com/office/drawing/2010/main" val="0"/>
+              </a:ext>
+            </a:extLst>
+          </a:blip>
+          <a:stretch>
+            <a:fillRect/>
+          </a:stretch>
+        </p:blipFill>
+        <p:spPr>
+          <a:xfrm>
+            <a:off x="1972176" y="1988840"/>
+            <a:ext cx="8244472" cy="4191000"/>
+          </a:xfrm>
+        </p:spPr>
+      </p:pic>
     </p:spTree>
     <p:extLst>
       <p:ext uri="{BB962C8B-B14F-4D97-AF65-F5344CB8AC3E}">
-        <p14:creationId xmlns:p14="http://schemas.microsoft.com/office/powerpoint/2010/main" val="1173429218"/>
+        <p14:creationId xmlns:p14="http://schemas.microsoft.com/office/powerpoint/2010/main" val="3388139804"/>
       </p:ext>
     </p:extLst>
   </p:cSld>
@@ -5432,7 +5639,13 @@
       </p:grpSpPr>
       <p:sp>
         <p:nvSpPr>
-          <p:cNvPr id="2" name="Título 1"/>
+          <p:cNvPr id="2" name="Título 1">
+            <a:extLst>
+              <a:ext uri="{FF2B5EF4-FFF2-40B4-BE49-F238E27FC236}">
+                <a16:creationId xmlns:a16="http://schemas.microsoft.com/office/drawing/2014/main" id="{90686FD4-EC58-4ECF-8210-CB456CA6E886}"/>
+              </a:ext>
+            </a:extLst>
+          </p:cNvPr>
           <p:cNvSpPr>
             <a:spLocks noGrp="1"/>
           </p:cNvSpPr>
@@ -5440,67 +5653,398 @@
             <p:ph type="title"/>
           </p:nvPr>
         </p:nvSpPr>
-        <p:spPr/>
-        <p:txBody>
-          <a:bodyPr rtlCol="0"/>
+        <p:spPr>
+          <a:xfrm>
+            <a:off x="1751010" y="548680"/>
+            <a:ext cx="8686801" cy="1066800"/>
+          </a:xfrm>
+        </p:spPr>
+        <p:txBody>
+          <a:bodyPr/>
           <a:lstStyle/>
           <a:p>
-            <a:pPr rtl="0"/>
-            <a:r>
-              <a:rPr lang="es-ES" dirty="0"/>
-              <a:t>Recomendación</a:t>
-            </a:r>
-          </a:p>
-        </p:txBody>
-      </p:sp>
-      <p:sp>
-        <p:nvSpPr>
-          <p:cNvPr id="3" name="Marcador de contenido 2"/>
-          <p:cNvSpPr>
-            <a:spLocks noGrp="1"/>
-          </p:cNvSpPr>
+            <a:pPr algn="ctr"/>
+            <a:r>
+              <a:rPr lang="es-PE" dirty="0" err="1"/>
+              <a:t>Rings</a:t>
+            </a:r>
+            <a:r>
+              <a:rPr lang="es-PE" dirty="0"/>
+              <a:t> </a:t>
+            </a:r>
+            <a:r>
+              <a:rPr lang="es-PE" dirty="0" err="1"/>
+              <a:t>Detected</a:t>
+            </a:r>
+            <a:endParaRPr lang="es-PE" dirty="0"/>
+          </a:p>
+        </p:txBody>
+      </p:sp>
+      <p:pic>
+        <p:nvPicPr>
+          <p:cNvPr id="5" name="Marcador de contenido 4">
+            <a:extLst>
+              <a:ext uri="{FF2B5EF4-FFF2-40B4-BE49-F238E27FC236}">
+                <a16:creationId xmlns:a16="http://schemas.microsoft.com/office/drawing/2014/main" id="{4C5243A2-4B72-49FD-B936-A9DA20EDDDB9}"/>
+              </a:ext>
+            </a:extLst>
+          </p:cNvPr>
+          <p:cNvPicPr>
+            <a:picLocks noGrp="1" noChangeAspect="1"/>
+          </p:cNvPicPr>
           <p:nvPr>
             <p:ph idx="1"/>
           </p:nvPr>
-        </p:nvSpPr>
-        <p:spPr/>
-        <p:txBody>
-          <a:bodyPr rtlCol="0"/>
-          <a:lstStyle/>
-          <a:p>
-            <a:pPr rtl="0"/>
-            <a:r>
-              <a:rPr lang="es-ES" dirty="0"/>
-              <a:t>Recomiende una o varias de las estrategias.</a:t>
-            </a:r>
-          </a:p>
-          <a:p>
-            <a:pPr rtl="0"/>
-            <a:r>
-              <a:rPr lang="es-ES" dirty="0"/>
-              <a:t>Resuma los resultados si el proceso se realiza como se propone.</a:t>
-            </a:r>
-          </a:p>
-          <a:p>
-            <a:pPr rtl="0"/>
-            <a:r>
-              <a:rPr lang="es-ES" dirty="0"/>
-              <a:t>Qué hacer a continuación.</a:t>
-            </a:r>
-          </a:p>
-          <a:p>
-            <a:pPr rtl="0"/>
-            <a:r>
-              <a:rPr lang="es-ES" dirty="0"/>
-              <a:t>Identifique los elementos de acción.</a:t>
-            </a:r>
-          </a:p>
-        </p:txBody>
-      </p:sp>
+        </p:nvPicPr>
+        <p:blipFill>
+          <a:blip r:embed="rId2">
+            <a:extLst>
+              <a:ext uri="{28A0092B-C50C-407E-A947-70E740481C1C}">
+                <a14:useLocalDpi xmlns:a14="http://schemas.microsoft.com/office/drawing/2010/main" val="0"/>
+              </a:ext>
+            </a:extLst>
+          </a:blip>
+          <a:stretch>
+            <a:fillRect/>
+          </a:stretch>
+        </p:blipFill>
+        <p:spPr>
+          <a:xfrm>
+            <a:off x="3060578" y="1988840"/>
+            <a:ext cx="6067667" cy="4211524"/>
+          </a:xfrm>
+        </p:spPr>
+      </p:pic>
     </p:spTree>
     <p:extLst>
       <p:ext uri="{BB962C8B-B14F-4D97-AF65-F5344CB8AC3E}">
-        <p14:creationId xmlns:p14="http://schemas.microsoft.com/office/powerpoint/2010/main" val="4259246236"/>
+        <p14:creationId xmlns:p14="http://schemas.microsoft.com/office/powerpoint/2010/main" val="3713136148"/>
+      </p:ext>
+    </p:extLst>
+  </p:cSld>
+  <p:clrMapOvr>
+    <a:masterClrMapping/>
+  </p:clrMapOvr>
+  <mc:AlternateContent xmlns:mc="http://schemas.openxmlformats.org/markup-compatibility/2006" xmlns:p14="http://schemas.microsoft.com/office/powerpoint/2010/main">
+    <mc:Choice Requires="p14">
+      <p:transition spd="med" p14:dur="700">
+        <p:fade/>
+      </p:transition>
+    </mc:Choice>
+    <mc:Fallback xmlns="">
+      <p:transition spd="med">
+        <p:fade/>
+      </p:transition>
+    </mc:Fallback>
+  </mc:AlternateContent>
+</p:sld>
+</file>
+
+<file path=ppt/slides/slide8.xml><?xml version="1.0" encoding="utf-8"?>
+<p:sld xmlns:a="http://schemas.openxmlformats.org/drawingml/2006/main" xmlns:r="http://schemas.openxmlformats.org/officeDocument/2006/relationships" xmlns:p="http://schemas.openxmlformats.org/presentationml/2006/main">
+  <p:cSld>
+    <p:spTree>
+      <p:nvGrpSpPr>
+        <p:cNvPr id="1" name=""/>
+        <p:cNvGrpSpPr/>
+        <p:nvPr/>
+      </p:nvGrpSpPr>
+      <p:grpSpPr>
+        <a:xfrm>
+          <a:off x="0" y="0"/>
+          <a:ext cx="0" cy="0"/>
+          <a:chOff x="0" y="0"/>
+          <a:chExt cx="0" cy="0"/>
+        </a:xfrm>
+      </p:grpSpPr>
+      <p:sp>
+        <p:nvSpPr>
+          <p:cNvPr id="2" name="Título 1">
+            <a:extLst>
+              <a:ext uri="{FF2B5EF4-FFF2-40B4-BE49-F238E27FC236}">
+                <a16:creationId xmlns:a16="http://schemas.microsoft.com/office/drawing/2014/main" id="{C6CF3F5D-49D3-4A0E-BEAB-16B350D3303F}"/>
+              </a:ext>
+            </a:extLst>
+          </p:cNvPr>
+          <p:cNvSpPr>
+            <a:spLocks noGrp="1"/>
+          </p:cNvSpPr>
+          <p:nvPr>
+            <p:ph type="title"/>
+          </p:nvPr>
+        </p:nvSpPr>
+        <p:spPr>
+          <a:xfrm>
+            <a:off x="1751010" y="553871"/>
+            <a:ext cx="8686801" cy="1066800"/>
+          </a:xfrm>
+        </p:spPr>
+        <p:txBody>
+          <a:bodyPr/>
+          <a:lstStyle/>
+          <a:p>
+            <a:pPr algn="ctr"/>
+            <a:r>
+              <a:rPr lang="es-PE" dirty="0" err="1"/>
+              <a:t>Rings</a:t>
+            </a:r>
+            <a:r>
+              <a:rPr lang="es-PE" dirty="0"/>
+              <a:t> </a:t>
+            </a:r>
+            <a:r>
+              <a:rPr lang="es-PE" dirty="0" err="1"/>
+              <a:t>Pattern</a:t>
+            </a:r>
+            <a:r>
+              <a:rPr lang="es-PE" dirty="0"/>
+              <a:t> </a:t>
+            </a:r>
+            <a:r>
+              <a:rPr lang="es-PE" dirty="0" err="1"/>
+              <a:t>Detected</a:t>
+            </a:r>
+            <a:endParaRPr lang="es-PE" dirty="0"/>
+          </a:p>
+        </p:txBody>
+      </p:sp>
+      <p:pic>
+        <p:nvPicPr>
+          <p:cNvPr id="5" name="Marcador de contenido 4">
+            <a:extLst>
+              <a:ext uri="{FF2B5EF4-FFF2-40B4-BE49-F238E27FC236}">
+                <a16:creationId xmlns:a16="http://schemas.microsoft.com/office/drawing/2014/main" id="{0DAFF8C7-42E8-4BFE-88C4-2518A16D7138}"/>
+              </a:ext>
+            </a:extLst>
+          </p:cNvPr>
+          <p:cNvPicPr>
+            <a:picLocks noGrp="1" noChangeAspect="1"/>
+          </p:cNvPicPr>
+          <p:nvPr>
+            <p:ph idx="1"/>
+          </p:nvPr>
+        </p:nvPicPr>
+        <p:blipFill>
+          <a:blip r:embed="rId2">
+            <a:extLst>
+              <a:ext uri="{28A0092B-C50C-407E-A947-70E740481C1C}">
+                <a14:useLocalDpi xmlns:a14="http://schemas.microsoft.com/office/drawing/2010/main" val="0"/>
+              </a:ext>
+            </a:extLst>
+          </a:blip>
+          <a:stretch>
+            <a:fillRect/>
+          </a:stretch>
+        </p:blipFill>
+        <p:spPr>
+          <a:xfrm>
+            <a:off x="2000793" y="2113129"/>
+            <a:ext cx="8187237" cy="4191000"/>
+          </a:xfrm>
+        </p:spPr>
+      </p:pic>
+    </p:spTree>
+    <p:extLst>
+      <p:ext uri="{BB962C8B-B14F-4D97-AF65-F5344CB8AC3E}">
+        <p14:creationId xmlns:p14="http://schemas.microsoft.com/office/powerpoint/2010/main" val="2464730877"/>
+      </p:ext>
+    </p:extLst>
+  </p:cSld>
+  <p:clrMapOvr>
+    <a:masterClrMapping/>
+  </p:clrMapOvr>
+  <mc:AlternateContent xmlns:mc="http://schemas.openxmlformats.org/markup-compatibility/2006" xmlns:p14="http://schemas.microsoft.com/office/powerpoint/2010/main">
+    <mc:Choice Requires="p14">
+      <p:transition spd="med" p14:dur="700">
+        <p:fade/>
+      </p:transition>
+    </mc:Choice>
+    <mc:Fallback xmlns="">
+      <p:transition spd="med">
+        <p:fade/>
+      </p:transition>
+    </mc:Fallback>
+  </mc:AlternateContent>
+</p:sld>
+</file>
+
+<file path=ppt/slides/slide9.xml><?xml version="1.0" encoding="utf-8"?>
+<p:sld xmlns:a="http://schemas.openxmlformats.org/drawingml/2006/main" xmlns:r="http://schemas.openxmlformats.org/officeDocument/2006/relationships" xmlns:p="http://schemas.openxmlformats.org/presentationml/2006/main">
+  <p:cSld>
+    <p:spTree>
+      <p:nvGrpSpPr>
+        <p:cNvPr id="1" name=""/>
+        <p:cNvGrpSpPr/>
+        <p:nvPr/>
+      </p:nvGrpSpPr>
+      <p:grpSpPr>
+        <a:xfrm>
+          <a:off x="0" y="0"/>
+          <a:ext cx="0" cy="0"/>
+          <a:chOff x="0" y="0"/>
+          <a:chExt cx="0" cy="0"/>
+        </a:xfrm>
+      </p:grpSpPr>
+      <p:sp>
+        <p:nvSpPr>
+          <p:cNvPr id="2" name="Título 1">
+            <a:extLst>
+              <a:ext uri="{FF2B5EF4-FFF2-40B4-BE49-F238E27FC236}">
+                <a16:creationId xmlns:a16="http://schemas.microsoft.com/office/drawing/2014/main" id="{977BAAD3-B068-41DE-B19B-4718F8950B3B}"/>
+              </a:ext>
+            </a:extLst>
+          </p:cNvPr>
+          <p:cNvSpPr>
+            <a:spLocks noGrp="1"/>
+          </p:cNvSpPr>
+          <p:nvPr>
+            <p:ph type="title"/>
+          </p:nvPr>
+        </p:nvSpPr>
+        <p:spPr/>
+        <p:txBody>
+          <a:bodyPr/>
+          <a:lstStyle/>
+          <a:p>
+            <a:r>
+              <a:rPr lang="es-PE" dirty="0" err="1"/>
+              <a:t>Bibliography</a:t>
+            </a:r>
+            <a:endParaRPr lang="es-PE" dirty="0"/>
+          </a:p>
+        </p:txBody>
+      </p:sp>
+      <p:sp>
+        <p:nvSpPr>
+          <p:cNvPr id="3" name="Marcador de contenido 2">
+            <a:extLst>
+              <a:ext uri="{FF2B5EF4-FFF2-40B4-BE49-F238E27FC236}">
+                <a16:creationId xmlns:a16="http://schemas.microsoft.com/office/drawing/2014/main" id="{756C1DE9-3397-46DC-8DD4-ACF6A015E9E0}"/>
+              </a:ext>
+            </a:extLst>
+          </p:cNvPr>
+          <p:cNvSpPr>
+            <a:spLocks noGrp="1"/>
+          </p:cNvSpPr>
+          <p:nvPr>
+            <p:ph idx="1"/>
+          </p:nvPr>
+        </p:nvSpPr>
+        <p:spPr/>
+        <p:txBody>
+          <a:bodyPr/>
+          <a:lstStyle/>
+          <a:p>
+            <a:r>
+              <a:rPr lang="es-PE" dirty="0" err="1"/>
+              <a:t>Asthana</a:t>
+            </a:r>
+            <a:r>
+              <a:rPr lang="es-PE" dirty="0"/>
+              <a:t>, </a:t>
+            </a:r>
+            <a:r>
+              <a:rPr lang="es-PE" dirty="0" err="1"/>
+              <a:t>Shubham</a:t>
+            </a:r>
+            <a:r>
+              <a:rPr lang="es-PE" dirty="0"/>
+              <a:t>. (2014). </a:t>
+            </a:r>
+            <a:r>
+              <a:rPr lang="es-PE" dirty="0" err="1"/>
+              <a:t>Enhanced</a:t>
+            </a:r>
+            <a:r>
+              <a:rPr lang="es-PE" dirty="0"/>
+              <a:t> Camera </a:t>
+            </a:r>
+            <a:r>
+              <a:rPr lang="es-PE" dirty="0" err="1"/>
+              <a:t>Calibration</a:t>
+            </a:r>
+            <a:r>
+              <a:rPr lang="es-PE" dirty="0"/>
+              <a:t> </a:t>
+            </a:r>
+            <a:r>
+              <a:rPr lang="es-PE" dirty="0" err="1"/>
+              <a:t>for</a:t>
+            </a:r>
+            <a:r>
+              <a:rPr lang="es-PE" dirty="0"/>
+              <a:t> Machine </a:t>
+            </a:r>
+            <a:r>
+              <a:rPr lang="es-PE" dirty="0" err="1"/>
+              <a:t>Vision</a:t>
+            </a:r>
+            <a:r>
+              <a:rPr lang="es-PE" dirty="0"/>
+              <a:t> </a:t>
+            </a:r>
+            <a:r>
+              <a:rPr lang="es-PE" dirty="0" err="1"/>
+              <a:t>using</a:t>
+            </a:r>
+            <a:r>
+              <a:rPr lang="es-PE" dirty="0"/>
+              <a:t> </a:t>
+            </a:r>
+            <a:r>
+              <a:rPr lang="es-PE" dirty="0" err="1"/>
+              <a:t>OpenCV</a:t>
+            </a:r>
+            <a:r>
+              <a:rPr lang="es-PE" dirty="0"/>
+              <a:t>. International </a:t>
+            </a:r>
+            <a:r>
+              <a:rPr lang="es-PE" dirty="0" err="1"/>
+              <a:t>Journal</a:t>
+            </a:r>
+            <a:r>
+              <a:rPr lang="es-PE" dirty="0"/>
+              <a:t> </a:t>
+            </a:r>
+            <a:r>
+              <a:rPr lang="es-PE" dirty="0" err="1"/>
+              <a:t>of</a:t>
+            </a:r>
+            <a:r>
+              <a:rPr lang="es-PE" dirty="0"/>
+              <a:t> Artificial </a:t>
+            </a:r>
+            <a:r>
+              <a:rPr lang="es-PE" dirty="0" err="1"/>
+              <a:t>Intelligence</a:t>
+            </a:r>
+            <a:r>
+              <a:rPr lang="es-PE" dirty="0"/>
+              <a:t>. </a:t>
+            </a:r>
+            <a:r>
+              <a:rPr lang="es-PE" dirty="0" err="1"/>
+              <a:t>Volume</a:t>
+            </a:r>
+            <a:r>
+              <a:rPr lang="es-PE" dirty="0"/>
+              <a:t> 3. </a:t>
+            </a:r>
+          </a:p>
+          <a:p>
+            <a:r>
+              <a:rPr lang="es-PE"/>
+              <a:t>https://docs.opencv.org</a:t>
+            </a:r>
+            <a:endParaRPr lang="es-PE" dirty="0"/>
+          </a:p>
+        </p:txBody>
+      </p:sp>
+    </p:spTree>
+    <p:extLst>
+      <p:ext uri="{BB962C8B-B14F-4D97-AF65-F5344CB8AC3E}">
+        <p14:creationId xmlns:p14="http://schemas.microsoft.com/office/powerpoint/2010/main" val="4072475522"/>
       </p:ext>
     </p:extLst>
   </p:cSld>
@@ -6361,6 +6905,26 @@
 </file>
 
 <file path=customXml/item1.xml><?xml version="1.0" encoding="utf-8"?>
+<?mso-contentType ?>
+<FormTemplates xmlns="http://schemas.microsoft.com/sharepoint/v3/contenttype/forms">
+  <Display>DocumentLibraryForm</Display>
+  <Edit>DocumentLibraryForm</Edit>
+  <New>DocumentLibraryForm</New>
+</FormTemplates>
+</file>
+
+<file path=customXml/item2.xml><?xml version="1.0" encoding="utf-8"?>
+<p:properties xmlns:p="http://schemas.microsoft.com/office/2006/metadata/properties" xmlns:xsi="http://www.w3.org/2001/XMLSchema-instance" xmlns:pc="http://schemas.microsoft.com/office/infopath/2007/PartnerControls">
+  <documentManagement>
+    <VSO_x0020_item_x0020_id xmlns="40262f94-9f35-4ac3-9a90-690165a166b7" xsi:nil="true"/>
+    <Assetid_x0020_ xmlns="40262f94-9f35-4ac3-9a90-690165a166b7" xsi:nil="true"/>
+    <Item_x0020_Details xmlns="40262f94-9f35-4ac3-9a90-690165a166b7" xsi:nil="true"/>
+    <Template_x0020_details xmlns="40262f94-9f35-4ac3-9a90-690165a166b7" xsi:nil="true"/>
+  </documentManagement>
+</p:properties>
+</file>
+
+<file path=customXml/item3.xml><?xml version="1.0" encoding="utf-8"?>
 <ct:contentTypeSchema xmlns:ct="http://schemas.microsoft.com/office/2006/metadata/contentType" xmlns:ma="http://schemas.microsoft.com/office/2006/metadata/properties/metaAttributes" ct:_="" ma:_="" ma:contentTypeName="Document" ma:contentTypeID="0x010100AA3F7D94069FF64A86F7DFF56D60E3BE" ma:contentTypeVersion="6" ma:contentTypeDescription="Create a new document." ma:contentTypeScope="" ma:versionID="c32302c77d4085ecf495bdddb7f5e889">
   <xsd:schema xmlns:xsd="http://www.w3.org/2001/XMLSchema" xmlns:xs="http://www.w3.org/2001/XMLSchema" xmlns:p="http://schemas.microsoft.com/office/2006/metadata/properties" xmlns:ns2="a4f35948-e619-41b3-aa29-22878b09cfd2" xmlns:ns3="40262f94-9f35-4ac3-9a90-690165a166b7" targetNamespace="http://schemas.microsoft.com/office/2006/metadata/properties" ma:root="true" ma:fieldsID="4ab5ae46be95f9d0be6107e8200be7a2" ns2:_="" ns3:_="">
     <xsd:import namespace="a4f35948-e619-41b3-aa29-22878b09cfd2"/>
@@ -6541,41 +7105,10 @@
 </ct:contentTypeSchema>
 </file>
 
-<file path=customXml/item2.xml><?xml version="1.0" encoding="utf-8"?>
-<p:properties xmlns:p="http://schemas.microsoft.com/office/2006/metadata/properties" xmlns:xsi="http://www.w3.org/2001/XMLSchema-instance" xmlns:pc="http://schemas.microsoft.com/office/infopath/2007/PartnerControls">
-  <documentManagement>
-    <VSO_x0020_item_x0020_id xmlns="40262f94-9f35-4ac3-9a90-690165a166b7" xsi:nil="true"/>
-    <Assetid_x0020_ xmlns="40262f94-9f35-4ac3-9a90-690165a166b7" xsi:nil="true"/>
-    <Item_x0020_Details xmlns="40262f94-9f35-4ac3-9a90-690165a166b7" xsi:nil="true"/>
-    <Template_x0020_details xmlns="40262f94-9f35-4ac3-9a90-690165a166b7" xsi:nil="true"/>
-  </documentManagement>
-</p:properties>
-</file>
-
-<file path=customXml/item3.xml><?xml version="1.0" encoding="utf-8"?>
-<?mso-contentType ?>
-<FormTemplates xmlns="http://schemas.microsoft.com/sharepoint/v3/contenttype/forms">
-  <Display>DocumentLibraryForm</Display>
-  <Edit>DocumentLibraryForm</Edit>
-  <New>DocumentLibraryForm</New>
-</FormTemplates>
-</file>
-
 <file path=customXml/itemProps1.xml><?xml version="1.0" encoding="utf-8"?>
-<ds:datastoreItem xmlns:ds="http://schemas.openxmlformats.org/officeDocument/2006/customXml" ds:itemID="{7CB30B94-6D3B-4C91-947C-5EB8E8EFFE4F}">
+<ds:datastoreItem xmlns:ds="http://schemas.openxmlformats.org/officeDocument/2006/customXml" ds:itemID="{653E1689-1E09-4ADC-A5E7-6718BF79A8A6}">
   <ds:schemaRefs>
-    <ds:schemaRef ds:uri="http://schemas.microsoft.com/office/2006/metadata/contentType"/>
-    <ds:schemaRef ds:uri="http://schemas.microsoft.com/office/2006/metadata/properties/metaAttributes"/>
-    <ds:schemaRef ds:uri="http://www.w3.org/2001/XMLSchema"/>
-    <ds:schemaRef ds:uri="http://schemas.microsoft.com/office/2006/metadata/properties"/>
-    <ds:schemaRef ds:uri="a4f35948-e619-41b3-aa29-22878b09cfd2"/>
-    <ds:schemaRef ds:uri="40262f94-9f35-4ac3-9a90-690165a166b7"/>
-    <ds:schemaRef ds:uri="http://schemas.microsoft.com/office/2006/documentManagement/types"/>
-    <ds:schemaRef ds:uri="http://schemas.microsoft.com/office/infopath/2007/PartnerControls"/>
-    <ds:schemaRef ds:uri="http://schemas.openxmlformats.org/package/2006/metadata/core-properties"/>
-    <ds:schemaRef ds:uri="http://purl.org/dc/elements/1.1/"/>
-    <ds:schemaRef ds:uri="http://purl.org/dc/terms/"/>
-    <ds:schemaRef ds:uri="http://schemas.microsoft.com/internal/obd"/>
+    <ds:schemaRef ds:uri="http://schemas.microsoft.com/sharepoint/v3/contenttype/forms"/>
   </ds:schemaRefs>
 </ds:datastoreItem>
 </file>
@@ -6598,9 +7131,20 @@
 </file>
 
 <file path=customXml/itemProps3.xml><?xml version="1.0" encoding="utf-8"?>
-<ds:datastoreItem xmlns:ds="http://schemas.openxmlformats.org/officeDocument/2006/customXml" ds:itemID="{653E1689-1E09-4ADC-A5E7-6718BF79A8A6}">
+<ds:datastoreItem xmlns:ds="http://schemas.openxmlformats.org/officeDocument/2006/customXml" ds:itemID="{7CB30B94-6D3B-4C91-947C-5EB8E8EFFE4F}">
   <ds:schemaRefs>
-    <ds:schemaRef ds:uri="http://schemas.microsoft.com/sharepoint/v3/contenttype/forms"/>
+    <ds:schemaRef ds:uri="http://schemas.microsoft.com/office/2006/metadata/contentType"/>
+    <ds:schemaRef ds:uri="http://schemas.microsoft.com/office/2006/metadata/properties/metaAttributes"/>
+    <ds:schemaRef ds:uri="http://www.w3.org/2001/XMLSchema"/>
+    <ds:schemaRef ds:uri="http://schemas.microsoft.com/office/2006/metadata/properties"/>
+    <ds:schemaRef ds:uri="a4f35948-e619-41b3-aa29-22878b09cfd2"/>
+    <ds:schemaRef ds:uri="40262f94-9f35-4ac3-9a90-690165a166b7"/>
+    <ds:schemaRef ds:uri="http://schemas.microsoft.com/office/2006/documentManagement/types"/>
+    <ds:schemaRef ds:uri="http://schemas.microsoft.com/office/infopath/2007/PartnerControls"/>
+    <ds:schemaRef ds:uri="http://schemas.openxmlformats.org/package/2006/metadata/core-properties"/>
+    <ds:schemaRef ds:uri="http://purl.org/dc/elements/1.1/"/>
+    <ds:schemaRef ds:uri="http://purl.org/dc/terms/"/>
+    <ds:schemaRef ds:uri="http://schemas.microsoft.com/internal/obd"/>
   </ds:schemaRefs>
 </ds:datastoreItem>
 </file>
--- a/PatternRecognition/Rings Grid Recognition.pptx
+++ b/PatternRecognition/Rings Grid Recognition.pptx
@@ -6034,10 +6034,9 @@
           </a:p>
           <a:p>
             <a:r>
-              <a:rPr lang="es-PE"/>
+              <a:rPr lang="es-PE" dirty="0"/>
               <a:t>https://docs.opencv.org</a:t>
             </a:r>
-            <a:endParaRPr lang="es-PE" dirty="0"/>
           </a:p>
         </p:txBody>
       </p:sp>
